--- a/6028_Graph_1/D2D/W08-11/Texture mapping, part 2.pptx
+++ b/6028_Graph_1/D2D/W08-11/Texture mapping, part 2.pptx
@@ -5,12 +5,14 @@
     <p:sldMasterId id="2147483648" r:id="rId1"/>
   </p:sldMasterIdLst>
   <p:handoutMasterIdLst>
-    <p:handoutMasterId r:id="rId5"/>
+    <p:handoutMasterId r:id="rId7"/>
   </p:handoutMasterIdLst>
   <p:sldIdLst>
     <p:sldId id="268" r:id="rId2"/>
-    <p:sldId id="269" r:id="rId3"/>
-    <p:sldId id="263" r:id="rId4"/>
+    <p:sldId id="263" r:id="rId3"/>
+    <p:sldId id="269" r:id="rId4"/>
+    <p:sldId id="270" r:id="rId5"/>
+    <p:sldId id="271" r:id="rId6"/>
   </p:sldIdLst>
   <p:sldSz cx="9144000" cy="5143500" type="screen16x9"/>
   <p:notesSz cx="9296400" cy="7010400"/>
@@ -211,7 +213,7 @@
             <a:fld id="{6E28E25E-87BB-46EA-8F9E-473DAE89420C}" type="datetimeFigureOut">
               <a:rPr lang="en-CA" smtClean="0"/>
               <a:pPr/>
-              <a:t>2023-11-13</a:t>
+              <a:t>2023-11-17</a:t>
             </a:fld>
             <a:endParaRPr lang="en-CA"/>
           </a:p>
@@ -477,7 +479,7 @@
             <a:fld id="{667A62CB-8588-4D98-8E9E-C665A03A0EA4}" type="datetimeFigureOut">
               <a:rPr lang="en-CA" smtClean="0"/>
               <a:pPr/>
-              <a:t>2023-11-13</a:t>
+              <a:t>2023-11-17</a:t>
             </a:fld>
             <a:endParaRPr lang="en-CA"/>
           </a:p>
@@ -644,7 +646,7 @@
             <a:fld id="{667A62CB-8588-4D98-8E9E-C665A03A0EA4}" type="datetimeFigureOut">
               <a:rPr lang="en-CA" smtClean="0"/>
               <a:pPr/>
-              <a:t>2023-11-13</a:t>
+              <a:t>2023-11-17</a:t>
             </a:fld>
             <a:endParaRPr lang="en-CA"/>
           </a:p>
@@ -821,7 +823,7 @@
             <a:fld id="{667A62CB-8588-4D98-8E9E-C665A03A0EA4}" type="datetimeFigureOut">
               <a:rPr lang="en-CA" smtClean="0"/>
               <a:pPr/>
-              <a:t>2023-11-13</a:t>
+              <a:t>2023-11-17</a:t>
             </a:fld>
             <a:endParaRPr lang="en-CA"/>
           </a:p>
@@ -988,7 +990,7 @@
             <a:fld id="{667A62CB-8588-4D98-8E9E-C665A03A0EA4}" type="datetimeFigureOut">
               <a:rPr lang="en-CA" smtClean="0"/>
               <a:pPr/>
-              <a:t>2023-11-13</a:t>
+              <a:t>2023-11-17</a:t>
             </a:fld>
             <a:endParaRPr lang="en-CA"/>
           </a:p>
@@ -1231,7 +1233,7 @@
             <a:fld id="{667A62CB-8588-4D98-8E9E-C665A03A0EA4}" type="datetimeFigureOut">
               <a:rPr lang="en-CA" smtClean="0"/>
               <a:pPr/>
-              <a:t>2023-11-13</a:t>
+              <a:t>2023-11-17</a:t>
             </a:fld>
             <a:endParaRPr lang="en-CA"/>
           </a:p>
@@ -1516,7 +1518,7 @@
             <a:fld id="{667A62CB-8588-4D98-8E9E-C665A03A0EA4}" type="datetimeFigureOut">
               <a:rPr lang="en-CA" smtClean="0"/>
               <a:pPr/>
-              <a:t>2023-11-13</a:t>
+              <a:t>2023-11-17</a:t>
             </a:fld>
             <a:endParaRPr lang="en-CA"/>
           </a:p>
@@ -1935,7 +1937,7 @@
             <a:fld id="{667A62CB-8588-4D98-8E9E-C665A03A0EA4}" type="datetimeFigureOut">
               <a:rPr lang="en-CA" smtClean="0"/>
               <a:pPr/>
-              <a:t>2023-11-13</a:t>
+              <a:t>2023-11-17</a:t>
             </a:fld>
             <a:endParaRPr lang="en-CA"/>
           </a:p>
@@ -2050,7 +2052,7 @@
             <a:fld id="{667A62CB-8588-4D98-8E9E-C665A03A0EA4}" type="datetimeFigureOut">
               <a:rPr lang="en-CA" smtClean="0"/>
               <a:pPr/>
-              <a:t>2023-11-13</a:t>
+              <a:t>2023-11-17</a:t>
             </a:fld>
             <a:endParaRPr lang="en-CA"/>
           </a:p>
@@ -2142,7 +2144,7 @@
             <a:fld id="{667A62CB-8588-4D98-8E9E-C665A03A0EA4}" type="datetimeFigureOut">
               <a:rPr lang="en-CA" smtClean="0"/>
               <a:pPr/>
-              <a:t>2023-11-13</a:t>
+              <a:t>2023-11-17</a:t>
             </a:fld>
             <a:endParaRPr lang="en-CA"/>
           </a:p>
@@ -2416,7 +2418,7 @@
             <a:fld id="{667A62CB-8588-4D98-8E9E-C665A03A0EA4}" type="datetimeFigureOut">
               <a:rPr lang="en-CA" smtClean="0"/>
               <a:pPr/>
-              <a:t>2023-11-13</a:t>
+              <a:t>2023-11-17</a:t>
             </a:fld>
             <a:endParaRPr lang="en-CA"/>
           </a:p>
@@ -2666,7 +2668,7 @@
             <a:fld id="{667A62CB-8588-4D98-8E9E-C665A03A0EA4}" type="datetimeFigureOut">
               <a:rPr lang="en-CA" smtClean="0"/>
               <a:pPr/>
-              <a:t>2023-11-13</a:t>
+              <a:t>2023-11-17</a:t>
             </a:fld>
             <a:endParaRPr lang="en-CA"/>
           </a:p>
@@ -2876,7 +2878,7 @@
             <a:fld id="{667A62CB-8588-4D98-8E9E-C665A03A0EA4}" type="datetimeFigureOut">
               <a:rPr lang="en-CA" smtClean="0"/>
               <a:pPr/>
-              <a:t>2023-11-13</a:t>
+              <a:t>2023-11-17</a:t>
             </a:fld>
             <a:endParaRPr lang="en-CA"/>
           </a:p>
@@ -3343,13 +3345,7 @@
       </p:grpSpPr>
       <p:sp>
         <p:nvSpPr>
-          <p:cNvPr id="2" name="Title 1">
-            <a:extLst>
-              <a:ext uri="{FF2B5EF4-FFF2-40B4-BE49-F238E27FC236}">
-                <a16:creationId xmlns:a16="http://schemas.microsoft.com/office/drawing/2014/main" id="{207AF722-1AE5-29B5-7053-A74499498FAB}"/>
-              </a:ext>
-            </a:extLst>
-          </p:cNvPr>
+          <p:cNvPr id="2" name="Title 1"/>
           <p:cNvSpPr>
             <a:spLocks noGrp="1"/>
           </p:cNvSpPr>
@@ -3362,19 +3358,16 @@
           <a:bodyPr/>
           <a:lstStyle/>
           <a:p>
-            <a:endParaRPr lang="en-CA"/>
-          </a:p>
-        </p:txBody>
-      </p:sp>
-      <p:sp>
-        <p:nvSpPr>
-          <p:cNvPr id="3" name="Content Placeholder 2">
-            <a:extLst>
-              <a:ext uri="{FF2B5EF4-FFF2-40B4-BE49-F238E27FC236}">
-                <a16:creationId xmlns:a16="http://schemas.microsoft.com/office/drawing/2014/main" id="{BD206FA5-D30B-3852-362F-A6E4DCE448E5}"/>
-              </a:ext>
-            </a:extLst>
-          </p:cNvPr>
+            <a:r>
+              <a:rPr lang="en-CA" dirty="0"/>
+              <a:t>Transparency</a:t>
+            </a:r>
+          </a:p>
+        </p:txBody>
+      </p:sp>
+      <p:sp>
+        <p:nvSpPr>
+          <p:cNvPr id="3" name="Content Placeholder 2"/>
           <p:cNvSpPr>
             <a:spLocks noGrp="1"/>
           </p:cNvSpPr>
@@ -3384,19 +3377,224 @@
         </p:nvSpPr>
         <p:spPr/>
         <p:txBody>
-          <a:bodyPr/>
-          <a:lstStyle/>
-          <a:p>
-            <a:endParaRPr lang="en-CA"/>
+          <a:bodyPr>
+            <a:normAutofit lnSpcReduction="10000"/>
+          </a:bodyPr>
+          <a:lstStyle/>
+          <a:p>
+            <a:r>
+              <a:rPr lang="en-CA" dirty="0"/>
+              <a:t>Alpha blending (“alpha transparency”):</a:t>
+            </a:r>
+          </a:p>
+          <a:p>
+            <a:pPr lvl="1">
+              <a:lnSpc>
+                <a:spcPct val="115000"/>
+              </a:lnSpc>
+              <a:spcAft>
+                <a:spcPts val="1000"/>
+              </a:spcAft>
+            </a:pPr>
+            <a:r>
+              <a:rPr lang="en-US" sz="1400" dirty="0" err="1">
+                <a:solidFill>
+                  <a:srgbClr val="6F008A"/>
+                </a:solidFill>
+                <a:effectLst/>
+                <a:latin typeface="Consolas" panose="020B0609020204030204" pitchFamily="49" charset="0"/>
+                <a:ea typeface="Calibri" panose="020F0502020204030204" pitchFamily="34" charset="0"/>
+                <a:cs typeface="Consolas" panose="020B0609020204030204" pitchFamily="49" charset="0"/>
+              </a:rPr>
+              <a:t>glEnable</a:t>
+            </a:r>
+            <a:r>
+              <a:rPr lang="en-US" sz="1400" dirty="0">
+                <a:solidFill>
+                  <a:srgbClr val="000000"/>
+                </a:solidFill>
+                <a:effectLst/>
+                <a:latin typeface="Consolas" panose="020B0609020204030204" pitchFamily="49" charset="0"/>
+                <a:ea typeface="Calibri" panose="020F0502020204030204" pitchFamily="34" charset="0"/>
+                <a:cs typeface="Consolas" panose="020B0609020204030204" pitchFamily="49" charset="0"/>
+              </a:rPr>
+              <a:t>(</a:t>
+            </a:r>
+            <a:r>
+              <a:rPr lang="en-US" sz="1400" dirty="0">
+                <a:solidFill>
+                  <a:srgbClr val="6F008A"/>
+                </a:solidFill>
+                <a:effectLst/>
+                <a:latin typeface="Consolas" panose="020B0609020204030204" pitchFamily="49" charset="0"/>
+                <a:ea typeface="Calibri" panose="020F0502020204030204" pitchFamily="34" charset="0"/>
+                <a:cs typeface="Consolas" panose="020B0609020204030204" pitchFamily="49" charset="0"/>
+              </a:rPr>
+              <a:t>GL_BLEND</a:t>
+            </a:r>
+            <a:r>
+              <a:rPr lang="en-US" sz="1400" dirty="0">
+                <a:solidFill>
+                  <a:srgbClr val="000000"/>
+                </a:solidFill>
+                <a:effectLst/>
+                <a:latin typeface="Consolas" panose="020B0609020204030204" pitchFamily="49" charset="0"/>
+                <a:ea typeface="Calibri" panose="020F0502020204030204" pitchFamily="34" charset="0"/>
+                <a:cs typeface="Consolas" panose="020B0609020204030204" pitchFamily="49" charset="0"/>
+              </a:rPr>
+              <a:t>);</a:t>
+            </a:r>
+            <a:endParaRPr lang="en-CA" sz="1400" dirty="0">
+              <a:effectLst/>
+              <a:latin typeface="Calibri" panose="020F0502020204030204" pitchFamily="34" charset="0"/>
+              <a:ea typeface="Calibri" panose="020F0502020204030204" pitchFamily="34" charset="0"/>
+              <a:cs typeface="Times New Roman" panose="02020603050405020304" pitchFamily="18" charset="0"/>
+            </a:endParaRPr>
+          </a:p>
+          <a:p>
+            <a:pPr lvl="1">
+              <a:lnSpc>
+                <a:spcPct val="115000"/>
+              </a:lnSpc>
+              <a:spcAft>
+                <a:spcPts val="1000"/>
+              </a:spcAft>
+            </a:pPr>
+            <a:r>
+              <a:rPr lang="en-US" sz="1400" dirty="0" err="1">
+                <a:solidFill>
+                  <a:srgbClr val="6F008A"/>
+                </a:solidFill>
+                <a:effectLst/>
+                <a:latin typeface="Consolas" panose="020B0609020204030204" pitchFamily="49" charset="0"/>
+                <a:ea typeface="Calibri" panose="020F0502020204030204" pitchFamily="34" charset="0"/>
+                <a:cs typeface="Consolas" panose="020B0609020204030204" pitchFamily="49" charset="0"/>
+              </a:rPr>
+              <a:t>glBlendFunc</a:t>
+            </a:r>
+            <a:r>
+              <a:rPr lang="en-US" sz="1400" dirty="0">
+                <a:solidFill>
+                  <a:srgbClr val="000000"/>
+                </a:solidFill>
+                <a:effectLst/>
+                <a:latin typeface="Consolas" panose="020B0609020204030204" pitchFamily="49" charset="0"/>
+                <a:ea typeface="Calibri" panose="020F0502020204030204" pitchFamily="34" charset="0"/>
+                <a:cs typeface="Consolas" panose="020B0609020204030204" pitchFamily="49" charset="0"/>
+              </a:rPr>
+              <a:t>( </a:t>
+            </a:r>
+            <a:r>
+              <a:rPr lang="en-US" sz="1400" dirty="0">
+                <a:solidFill>
+                  <a:srgbClr val="6F008A"/>
+                </a:solidFill>
+                <a:effectLst/>
+                <a:latin typeface="Consolas" panose="020B0609020204030204" pitchFamily="49" charset="0"/>
+                <a:ea typeface="Calibri" panose="020F0502020204030204" pitchFamily="34" charset="0"/>
+                <a:cs typeface="Consolas" panose="020B0609020204030204" pitchFamily="49" charset="0"/>
+              </a:rPr>
+              <a:t>GL_SRC_ALPHA</a:t>
+            </a:r>
+            <a:r>
+              <a:rPr lang="en-US" sz="1400" dirty="0">
+                <a:solidFill>
+                  <a:srgbClr val="000000"/>
+                </a:solidFill>
+                <a:effectLst/>
+                <a:latin typeface="Consolas" panose="020B0609020204030204" pitchFamily="49" charset="0"/>
+                <a:ea typeface="Calibri" panose="020F0502020204030204" pitchFamily="34" charset="0"/>
+                <a:cs typeface="Consolas" panose="020B0609020204030204" pitchFamily="49" charset="0"/>
+              </a:rPr>
+              <a:t>, </a:t>
+            </a:r>
+            <a:r>
+              <a:rPr lang="en-US" sz="1400" dirty="0">
+                <a:solidFill>
+                  <a:srgbClr val="6F008A"/>
+                </a:solidFill>
+                <a:effectLst/>
+                <a:latin typeface="Consolas" panose="020B0609020204030204" pitchFamily="49" charset="0"/>
+                <a:ea typeface="Calibri" panose="020F0502020204030204" pitchFamily="34" charset="0"/>
+                <a:cs typeface="Consolas" panose="020B0609020204030204" pitchFamily="49" charset="0"/>
+              </a:rPr>
+              <a:t>GL_ONE_MINUS_SRC_ALPHA</a:t>
+            </a:r>
+            <a:r>
+              <a:rPr lang="en-US" sz="1400" dirty="0">
+                <a:solidFill>
+                  <a:srgbClr val="000000"/>
+                </a:solidFill>
+                <a:effectLst/>
+                <a:latin typeface="Consolas" panose="020B0609020204030204" pitchFamily="49" charset="0"/>
+                <a:ea typeface="Calibri" panose="020F0502020204030204" pitchFamily="34" charset="0"/>
+                <a:cs typeface="Consolas" panose="020B0609020204030204" pitchFamily="49" charset="0"/>
+              </a:rPr>
+              <a:t> );</a:t>
+            </a:r>
+          </a:p>
+          <a:p>
+            <a:pPr>
+              <a:lnSpc>
+                <a:spcPct val="115000"/>
+              </a:lnSpc>
+              <a:spcAft>
+                <a:spcPts val="1000"/>
+              </a:spcAft>
+            </a:pPr>
+            <a:r>
+              <a:rPr lang="en-CA" dirty="0"/>
+              <a:t>Discard transparency:</a:t>
+            </a:r>
+          </a:p>
+          <a:p>
+            <a:pPr lvl="1">
+              <a:lnSpc>
+                <a:spcPct val="115000"/>
+              </a:lnSpc>
+              <a:spcAft>
+                <a:spcPts val="1000"/>
+              </a:spcAft>
+            </a:pPr>
+            <a:r>
+              <a:rPr lang="en-CA" dirty="0"/>
+              <a:t>..wait for it…</a:t>
+            </a:r>
+          </a:p>
+          <a:p>
+            <a:pPr lvl="1">
+              <a:lnSpc>
+                <a:spcPct val="115000"/>
+              </a:lnSpc>
+              <a:spcAft>
+                <a:spcPts val="1000"/>
+              </a:spcAft>
+            </a:pPr>
+            <a:r>
+              <a:rPr lang="en-CA" sz="1800" b="1" dirty="0">
+                <a:effectLst/>
+                <a:latin typeface="Courier New" panose="02070309020205020404" pitchFamily="49" charset="0"/>
+                <a:ea typeface="Calibri" panose="020F0502020204030204" pitchFamily="34" charset="0"/>
+                <a:cs typeface="Times New Roman" panose="02020603050405020304" pitchFamily="18" charset="0"/>
+              </a:rPr>
+              <a:t>discard;</a:t>
+            </a:r>
+            <a:endParaRPr lang="en-CA" dirty="0"/>
+          </a:p>
+          <a:p>
+            <a:pPr>
+              <a:lnSpc>
+                <a:spcPct val="115000"/>
+              </a:lnSpc>
+              <a:spcAft>
+                <a:spcPts val="1000"/>
+              </a:spcAft>
+            </a:pPr>
+            <a:endParaRPr lang="en-CA" dirty="0"/>
           </a:p>
         </p:txBody>
       </p:sp>
     </p:spTree>
-    <p:extLst>
-      <p:ext uri="{BB962C8B-B14F-4D97-AF65-F5344CB8AC3E}">
-        <p14:creationId xmlns:p14="http://schemas.microsoft.com/office/powerpoint/2010/main" val="4265529885"/>
-      </p:ext>
-    </p:extLst>
   </p:cSld>
   <p:clrMapOvr>
     <a:masterClrMapping/>
@@ -3438,7 +3636,7 @@
           <a:p>
             <a:r>
               <a:rPr lang="en-CA" dirty="0"/>
-              <a:t>Transparency</a:t>
+              <a:t>Alpha transparency</a:t>
             </a:r>
           </a:p>
         </p:txBody>
@@ -3456,208 +3654,98 @@
         <p:spPr/>
         <p:txBody>
           <a:bodyPr>
-            <a:normAutofit lnSpcReduction="10000"/>
+            <a:normAutofit fontScale="70000" lnSpcReduction="20000"/>
           </a:bodyPr>
           <a:lstStyle/>
           <a:p>
             <a:r>
               <a:rPr lang="en-CA" dirty="0"/>
-              <a:t>Alpha blending (“alpha transparency”):</a:t>
-            </a:r>
-          </a:p>
-          <a:p>
-            <a:pPr lvl="1">
-              <a:lnSpc>
-                <a:spcPct val="115000"/>
-              </a:lnSpc>
-              <a:spcAft>
-                <a:spcPts val="1000"/>
-              </a:spcAft>
-            </a:pPr>
-            <a:r>
-              <a:rPr lang="en-US" sz="1400" dirty="0" err="1">
-                <a:solidFill>
-                  <a:srgbClr val="6F008A"/>
-                </a:solidFill>
-                <a:effectLst/>
-                <a:latin typeface="Consolas" panose="020B0609020204030204" pitchFamily="49" charset="0"/>
-                <a:ea typeface="Calibri" panose="020F0502020204030204" pitchFamily="34" charset="0"/>
-                <a:cs typeface="Consolas" panose="020B0609020204030204" pitchFamily="49" charset="0"/>
-              </a:rPr>
-              <a:t>glEnable</a:t>
-            </a:r>
-            <a:r>
-              <a:rPr lang="en-US" sz="1400" dirty="0">
-                <a:solidFill>
-                  <a:srgbClr val="000000"/>
-                </a:solidFill>
-                <a:effectLst/>
-                <a:latin typeface="Consolas" panose="020B0609020204030204" pitchFamily="49" charset="0"/>
-                <a:ea typeface="Calibri" panose="020F0502020204030204" pitchFamily="34" charset="0"/>
-                <a:cs typeface="Consolas" panose="020B0609020204030204" pitchFamily="49" charset="0"/>
-              </a:rPr>
-              <a:t>(</a:t>
-            </a:r>
-            <a:r>
-              <a:rPr lang="en-US" sz="1400" dirty="0">
-                <a:solidFill>
-                  <a:srgbClr val="6F008A"/>
-                </a:solidFill>
-                <a:effectLst/>
-                <a:latin typeface="Consolas" panose="020B0609020204030204" pitchFamily="49" charset="0"/>
-                <a:ea typeface="Calibri" panose="020F0502020204030204" pitchFamily="34" charset="0"/>
-                <a:cs typeface="Consolas" panose="020B0609020204030204" pitchFamily="49" charset="0"/>
-              </a:rPr>
-              <a:t>GL_BLEND</a:t>
-            </a:r>
-            <a:r>
-              <a:rPr lang="en-US" sz="1400" dirty="0">
-                <a:solidFill>
-                  <a:srgbClr val="000000"/>
-                </a:solidFill>
-                <a:effectLst/>
-                <a:latin typeface="Consolas" panose="020B0609020204030204" pitchFamily="49" charset="0"/>
-                <a:ea typeface="Calibri" panose="020F0502020204030204" pitchFamily="34" charset="0"/>
-                <a:cs typeface="Consolas" panose="020B0609020204030204" pitchFamily="49" charset="0"/>
-              </a:rPr>
-              <a:t>);</a:t>
-            </a:r>
-            <a:endParaRPr lang="en-CA" sz="1400" dirty="0">
-              <a:effectLst/>
-              <a:latin typeface="Calibri" panose="020F0502020204030204" pitchFamily="34" charset="0"/>
-              <a:ea typeface="Calibri" panose="020F0502020204030204" pitchFamily="34" charset="0"/>
-              <a:cs typeface="Times New Roman" panose="02020603050405020304" pitchFamily="18" charset="0"/>
-            </a:endParaRPr>
-          </a:p>
-          <a:p>
-            <a:pPr lvl="1">
-              <a:lnSpc>
-                <a:spcPct val="115000"/>
-              </a:lnSpc>
-              <a:spcAft>
-                <a:spcPts val="1000"/>
-              </a:spcAft>
-            </a:pPr>
-            <a:r>
-              <a:rPr lang="en-US" sz="1400" dirty="0" err="1">
-                <a:solidFill>
-                  <a:srgbClr val="6F008A"/>
-                </a:solidFill>
-                <a:effectLst/>
-                <a:latin typeface="Consolas" panose="020B0609020204030204" pitchFamily="49" charset="0"/>
-                <a:ea typeface="Calibri" panose="020F0502020204030204" pitchFamily="34" charset="0"/>
-                <a:cs typeface="Consolas" panose="020B0609020204030204" pitchFamily="49" charset="0"/>
-              </a:rPr>
-              <a:t>glBlendFunc</a:t>
-            </a:r>
-            <a:r>
-              <a:rPr lang="en-US" sz="1400" dirty="0">
-                <a:solidFill>
-                  <a:srgbClr val="000000"/>
-                </a:solidFill>
-                <a:effectLst/>
-                <a:latin typeface="Consolas" panose="020B0609020204030204" pitchFamily="49" charset="0"/>
-                <a:ea typeface="Calibri" panose="020F0502020204030204" pitchFamily="34" charset="0"/>
-                <a:cs typeface="Consolas" panose="020B0609020204030204" pitchFamily="49" charset="0"/>
-              </a:rPr>
-              <a:t>( </a:t>
-            </a:r>
-            <a:r>
-              <a:rPr lang="en-US" sz="1400" dirty="0">
-                <a:solidFill>
-                  <a:srgbClr val="6F008A"/>
-                </a:solidFill>
-                <a:effectLst/>
-                <a:latin typeface="Consolas" panose="020B0609020204030204" pitchFamily="49" charset="0"/>
-                <a:ea typeface="Calibri" panose="020F0502020204030204" pitchFamily="34" charset="0"/>
-                <a:cs typeface="Consolas" panose="020B0609020204030204" pitchFamily="49" charset="0"/>
-              </a:rPr>
-              <a:t>GL_SRC_ALPHA</a:t>
-            </a:r>
-            <a:r>
-              <a:rPr lang="en-US" sz="1400" dirty="0">
-                <a:solidFill>
-                  <a:srgbClr val="000000"/>
-                </a:solidFill>
-                <a:effectLst/>
-                <a:latin typeface="Consolas" panose="020B0609020204030204" pitchFamily="49" charset="0"/>
-                <a:ea typeface="Calibri" panose="020F0502020204030204" pitchFamily="34" charset="0"/>
-                <a:cs typeface="Consolas" panose="020B0609020204030204" pitchFamily="49" charset="0"/>
-              </a:rPr>
-              <a:t>, </a:t>
-            </a:r>
-            <a:r>
-              <a:rPr lang="en-US" sz="1400" dirty="0">
-                <a:solidFill>
-                  <a:srgbClr val="6F008A"/>
-                </a:solidFill>
-                <a:effectLst/>
-                <a:latin typeface="Consolas" panose="020B0609020204030204" pitchFamily="49" charset="0"/>
-                <a:ea typeface="Calibri" panose="020F0502020204030204" pitchFamily="34" charset="0"/>
-                <a:cs typeface="Consolas" panose="020B0609020204030204" pitchFamily="49" charset="0"/>
-              </a:rPr>
-              <a:t>GL_ONE_MINUS_SRC_ALPHA</a:t>
-            </a:r>
-            <a:r>
-              <a:rPr lang="en-US" sz="1400" dirty="0">
-                <a:solidFill>
-                  <a:srgbClr val="000000"/>
-                </a:solidFill>
-                <a:effectLst/>
-                <a:latin typeface="Consolas" panose="020B0609020204030204" pitchFamily="49" charset="0"/>
-                <a:ea typeface="Calibri" panose="020F0502020204030204" pitchFamily="34" charset="0"/>
-                <a:cs typeface="Consolas" panose="020B0609020204030204" pitchFamily="49" charset="0"/>
-              </a:rPr>
+              <a:t>Separate objects into two groups:</a:t>
+            </a:r>
+          </a:p>
+          <a:p>
+            <a:pPr lvl="1"/>
+            <a:r>
+              <a:rPr lang="en-CA" dirty="0"/>
+              <a:t>NOT transparent </a:t>
+            </a:r>
+            <a:r>
+              <a:rPr lang="en-CA" sz="2400" dirty="0"/>
+              <a:t>(Note: don’t do this: alpha == 1.0)</a:t>
+            </a:r>
+            <a:endParaRPr lang="en-CA" dirty="0"/>
+          </a:p>
+          <a:p>
+            <a:pPr lvl="1"/>
+            <a:r>
+              <a:rPr lang="en-CA" dirty="0"/>
+              <a:t>Transparent (alpha &lt; 1.0f)</a:t>
+            </a:r>
+          </a:p>
+          <a:p>
+            <a:r>
+              <a:rPr lang="en-CA" b="1" dirty="0"/>
+              <a:t>Draw the non-transparent first </a:t>
+            </a:r>
+          </a:p>
+          <a:p>
+            <a:r>
+              <a:rPr lang="en-CA" b="1" dirty="0"/>
+              <a:t>Sort the transparent from back to front from the camera:</a:t>
+            </a:r>
+          </a:p>
+          <a:p>
+            <a:pPr lvl="1"/>
+            <a:r>
+              <a:rPr lang="en-CA" b="1" dirty="0" err="1"/>
+              <a:t>glm</a:t>
+            </a:r>
+            <a:r>
+              <a:rPr lang="en-CA" b="1" dirty="0"/>
+              <a:t>::distance( </a:t>
+            </a:r>
+            <a:r>
+              <a:rPr lang="en-CA" b="1" dirty="0" err="1"/>
+              <a:t>pMesh</a:t>
+            </a:r>
+            <a:r>
+              <a:rPr lang="en-CA" b="1" dirty="0"/>
+              <a:t>-&gt;Position, </a:t>
+            </a:r>
+            <a:r>
+              <a:rPr lang="en-CA" b="1" dirty="0" err="1"/>
+              <a:t>g_cameraEye</a:t>
+            </a:r>
+            <a:r>
+              <a:rPr lang="en-CA" b="1" dirty="0"/>
               <a:t> );</a:t>
             </a:r>
           </a:p>
           <a:p>
-            <a:pPr>
-              <a:lnSpc>
-                <a:spcPct val="115000"/>
-              </a:lnSpc>
-              <a:spcAft>
-                <a:spcPts val="1000"/>
-              </a:spcAft>
-            </a:pPr>
             <a:r>
               <a:rPr lang="en-CA" dirty="0"/>
-              <a:t>Discard transparency:</a:t>
-            </a:r>
-          </a:p>
-          <a:p>
-            <a:pPr lvl="1">
-              <a:lnSpc>
-                <a:spcPct val="115000"/>
-              </a:lnSpc>
-              <a:spcAft>
-                <a:spcPts val="1000"/>
-              </a:spcAft>
-            </a:pPr>
+              <a:t>You don’t have to do a full sort, like you can literally do ONE PASS of the bubble sort and it’ll be fine</a:t>
+            </a:r>
+          </a:p>
+          <a:p>
             <a:r>
               <a:rPr lang="en-CA" dirty="0"/>
-              <a:t>..wait for it…</a:t>
-            </a:r>
-          </a:p>
-          <a:p>
-            <a:pPr lvl="1">
-              <a:lnSpc>
-                <a:spcPct val="115000"/>
-              </a:lnSpc>
-              <a:spcAft>
-                <a:spcPts val="1000"/>
-              </a:spcAft>
-            </a:pPr>
-            <a:r>
-              <a:rPr lang="en-CA" sz="1800" b="1" dirty="0">
-                <a:effectLst/>
-                <a:latin typeface="Courier New" panose="02070309020205020404" pitchFamily="49" charset="0"/>
-                <a:ea typeface="Calibri" panose="020F0502020204030204" pitchFamily="34" charset="0"/>
-                <a:cs typeface="Times New Roman" panose="02020603050405020304" pitchFamily="18" charset="0"/>
-              </a:rPr>
-              <a:t>discard;</a:t>
-            </a:r>
-            <a:endParaRPr lang="en-CA" dirty="0"/>
+              <a:t>Bathtub: 24x24x24 ~~ 625 bathtub</a:t>
+            </a:r>
+          </a:p>
+          <a:p>
+            <a:r>
+              <a:rPr lang="en-CA" dirty="0"/>
+              <a:t>At 60 FPS, </a:t>
+            </a:r>
+            <a:r>
+              <a:rPr lang="en-CA" i="1" dirty="0"/>
+              <a:t>worst case </a:t>
+            </a:r>
+            <a:r>
+              <a:rPr lang="en-CA" dirty="0"/>
+              <a:t>10 seconds to sort </a:t>
+            </a:r>
           </a:p>
           <a:p>
             <a:pPr>
@@ -3673,6 +3761,240 @@
         </p:txBody>
       </p:sp>
     </p:spTree>
+    <p:extLst>
+      <p:ext uri="{BB962C8B-B14F-4D97-AF65-F5344CB8AC3E}">
+        <p14:creationId xmlns:p14="http://schemas.microsoft.com/office/powerpoint/2010/main" val="2181748087"/>
+      </p:ext>
+    </p:extLst>
+  </p:cSld>
+  <p:clrMapOvr>
+    <a:masterClrMapping/>
+  </p:clrMapOvr>
+</p:sld>
+</file>
+
+<file path=ppt/slides/slide4.xml><?xml version="1.0" encoding="utf-8"?>
+<p:sld xmlns:a="http://schemas.openxmlformats.org/drawingml/2006/main" xmlns:r="http://schemas.openxmlformats.org/officeDocument/2006/relationships" xmlns:p="http://schemas.openxmlformats.org/presentationml/2006/main">
+  <p:cSld>
+    <p:spTree>
+      <p:nvGrpSpPr>
+        <p:cNvPr id="1" name=""/>
+        <p:cNvGrpSpPr/>
+        <p:nvPr/>
+      </p:nvGrpSpPr>
+      <p:grpSpPr>
+        <a:xfrm>
+          <a:off x="0" y="0"/>
+          <a:ext cx="0" cy="0"/>
+          <a:chOff x="0" y="0"/>
+          <a:chExt cx="0" cy="0"/>
+        </a:xfrm>
+      </p:grpSpPr>
+      <p:sp>
+        <p:nvSpPr>
+          <p:cNvPr id="2" name="Title 1"/>
+          <p:cNvSpPr>
+            <a:spLocks noGrp="1"/>
+          </p:cNvSpPr>
+          <p:nvPr>
+            <p:ph type="title"/>
+          </p:nvPr>
+        </p:nvSpPr>
+        <p:spPr/>
+        <p:txBody>
+          <a:bodyPr/>
+          <a:lstStyle/>
+          <a:p>
+            <a:r>
+              <a:rPr lang="en-CA" dirty="0"/>
+              <a:t>Discard: “masking”</a:t>
+            </a:r>
+          </a:p>
+        </p:txBody>
+      </p:sp>
+      <p:sp>
+        <p:nvSpPr>
+          <p:cNvPr id="3" name="Content Placeholder 2"/>
+          <p:cNvSpPr>
+            <a:spLocks noGrp="1"/>
+          </p:cNvSpPr>
+          <p:nvPr>
+            <p:ph idx="1"/>
+          </p:nvPr>
+        </p:nvSpPr>
+        <p:spPr/>
+        <p:txBody>
+          <a:bodyPr>
+            <a:normAutofit/>
+          </a:bodyPr>
+          <a:lstStyle/>
+          <a:p>
+            <a:r>
+              <a:rPr lang="en-CA" sz="2400" dirty="0"/>
+              <a:t>Using a “mask” (think “stencil” to control if an object is completely there or not</a:t>
+            </a:r>
+          </a:p>
+          <a:p>
+            <a:r>
+              <a:rPr lang="en-CA" sz="2400" dirty="0"/>
+              <a:t>Not for semi-transparent things</a:t>
+            </a:r>
+          </a:p>
+          <a:p>
+            <a:pPr>
+              <a:lnSpc>
+                <a:spcPct val="115000"/>
+              </a:lnSpc>
+              <a:spcAft>
+                <a:spcPts val="1000"/>
+              </a:spcAft>
+            </a:pPr>
+            <a:endParaRPr lang="en-CA" sz="2400" dirty="0"/>
+          </a:p>
+        </p:txBody>
+      </p:sp>
+      <p:pic>
+        <p:nvPicPr>
+          <p:cNvPr id="1028" name="Picture 4">
+            <a:extLst>
+              <a:ext uri="{FF2B5EF4-FFF2-40B4-BE49-F238E27FC236}">
+                <a16:creationId xmlns:a16="http://schemas.microsoft.com/office/drawing/2014/main" id="{D81D8F05-A910-D43F-9826-BDEBDB677801}"/>
+              </a:ext>
+            </a:extLst>
+          </p:cNvPr>
+          <p:cNvPicPr>
+            <a:picLocks noChangeAspect="1" noChangeArrowheads="1"/>
+          </p:cNvPicPr>
+          <p:nvPr/>
+        </p:nvPicPr>
+        <p:blipFill>
+          <a:blip r:embed="rId2">
+            <a:extLst>
+              <a:ext uri="{28A0092B-C50C-407E-A947-70E740481C1C}">
+                <a14:useLocalDpi xmlns:a14="http://schemas.microsoft.com/office/drawing/2010/main" val="0"/>
+              </a:ext>
+            </a:extLst>
+          </a:blip>
+          <a:srcRect/>
+          <a:stretch>
+            <a:fillRect/>
+          </a:stretch>
+        </p:blipFill>
+        <p:spPr bwMode="auto">
+          <a:xfrm>
+            <a:off x="0" y="2554559"/>
+            <a:ext cx="9144000" cy="2306637"/>
+          </a:xfrm>
+          <a:prstGeom prst="rect">
+            <a:avLst/>
+          </a:prstGeom>
+          <a:noFill/>
+          <a:extLst>
+            <a:ext uri="{909E8E84-426E-40DD-AFC4-6F175D3DCCD1}">
+              <a14:hiddenFill xmlns:a14="http://schemas.microsoft.com/office/drawing/2010/main">
+                <a:solidFill>
+                  <a:srgbClr val="FFFFFF"/>
+                </a:solidFill>
+              </a14:hiddenFill>
+            </a:ext>
+          </a:extLst>
+        </p:spPr>
+      </p:pic>
+    </p:spTree>
+    <p:extLst>
+      <p:ext uri="{BB962C8B-B14F-4D97-AF65-F5344CB8AC3E}">
+        <p14:creationId xmlns:p14="http://schemas.microsoft.com/office/powerpoint/2010/main" val="2531062085"/>
+      </p:ext>
+    </p:extLst>
+  </p:cSld>
+  <p:clrMapOvr>
+    <a:masterClrMapping/>
+  </p:clrMapOvr>
+</p:sld>
+</file>
+
+<file path=ppt/slides/slide5.xml><?xml version="1.0" encoding="utf-8"?>
+<p:sld xmlns:a="http://schemas.openxmlformats.org/drawingml/2006/main" xmlns:r="http://schemas.openxmlformats.org/officeDocument/2006/relationships" xmlns:p="http://schemas.openxmlformats.org/presentationml/2006/main">
+  <p:cSld>
+    <p:spTree>
+      <p:nvGrpSpPr>
+        <p:cNvPr id="1" name=""/>
+        <p:cNvGrpSpPr/>
+        <p:nvPr/>
+      </p:nvGrpSpPr>
+      <p:grpSpPr>
+        <a:xfrm>
+          <a:off x="0" y="0"/>
+          <a:ext cx="0" cy="0"/>
+          <a:chOff x="0" y="0"/>
+          <a:chExt cx="0" cy="0"/>
+        </a:xfrm>
+      </p:grpSpPr>
+      <p:sp>
+        <p:nvSpPr>
+          <p:cNvPr id="2" name="Title 1"/>
+          <p:cNvSpPr>
+            <a:spLocks noGrp="1"/>
+          </p:cNvSpPr>
+          <p:nvPr>
+            <p:ph type="title"/>
+          </p:nvPr>
+        </p:nvSpPr>
+        <p:spPr/>
+        <p:txBody>
+          <a:bodyPr/>
+          <a:lstStyle/>
+          <a:p>
+            <a:r>
+              <a:rPr lang="en-CA" dirty="0" err="1"/>
+              <a:t>CubeMaps</a:t>
+            </a:r>
+            <a:endParaRPr lang="en-CA" dirty="0"/>
+          </a:p>
+        </p:txBody>
+      </p:sp>
+      <p:sp>
+        <p:nvSpPr>
+          <p:cNvPr id="3" name="Content Placeholder 2"/>
+          <p:cNvSpPr>
+            <a:spLocks noGrp="1"/>
+          </p:cNvSpPr>
+          <p:nvPr>
+            <p:ph idx="1"/>
+          </p:nvPr>
+        </p:nvSpPr>
+        <p:spPr/>
+        <p:txBody>
+          <a:bodyPr>
+            <a:normAutofit/>
+          </a:bodyPr>
+          <a:lstStyle/>
+          <a:p>
+            <a:r>
+              <a:rPr lang="en-CA"/>
+              <a:t>More fun to come!</a:t>
+            </a:r>
+            <a:endParaRPr lang="en-CA" dirty="0"/>
+          </a:p>
+          <a:p>
+            <a:pPr>
+              <a:lnSpc>
+                <a:spcPct val="115000"/>
+              </a:lnSpc>
+              <a:spcAft>
+                <a:spcPts val="1000"/>
+              </a:spcAft>
+            </a:pPr>
+            <a:endParaRPr lang="en-CA" dirty="0"/>
+          </a:p>
+        </p:txBody>
+      </p:sp>
+    </p:spTree>
+    <p:extLst>
+      <p:ext uri="{BB962C8B-B14F-4D97-AF65-F5344CB8AC3E}">
+        <p14:creationId xmlns:p14="http://schemas.microsoft.com/office/powerpoint/2010/main" val="2095632556"/>
+      </p:ext>
+    </p:extLst>
   </p:cSld>
   <p:clrMapOvr>
     <a:masterClrMapping/>
